--- a/论文草稿.pptx
+++ b/论文草稿.pptx
@@ -7,6 +7,8 @@
   <p:sldIdLst>
     <p:sldId id="257" r:id="rId3"/>
     <p:sldId id="256" r:id="rId4"/>
+    <p:sldId id="258" r:id="rId5"/>
+    <p:sldId id="259" r:id="rId6"/>
   </p:sldIdLst>
   <p:sldSz cx="12192000" cy="6858000"/>
   <p:notesSz cx="6858000" cy="9144000"/>
@@ -3157,6 +3159,129 @@
 </p:sld>
 </file>
 
+<file path=ppt/slides/slide3.xml><?xml version="1.0" encoding="utf-8"?>
+<p:sld xmlns:a="http://schemas.openxmlformats.org/drawingml/2006/main" xmlns:r="http://schemas.openxmlformats.org/officeDocument/2006/relationships" xmlns:p="http://schemas.openxmlformats.org/presentationml/2006/main">
+  <p:cSld>
+    <p:spTree>
+      <p:nvGrpSpPr>
+        <p:cNvPr id="1" name=""/>
+        <p:cNvGrpSpPr/>
+        <p:nvPr/>
+      </p:nvGrpSpPr>
+      <p:grpSpPr/>
+      <p:pic>
+        <p:nvPicPr>
+          <p:cNvPr id="4" name="图片 3"/>
+          <p:cNvPicPr>
+            <a:picLocks noChangeAspect="1"/>
+          </p:cNvPicPr>
+          <p:nvPr/>
+        </p:nvPicPr>
+        <p:blipFill>
+          <a:blip r:embed="rId1"/>
+          <a:stretch>
+            <a:fillRect/>
+          </a:stretch>
+        </p:blipFill>
+        <p:spPr>
+          <a:xfrm>
+            <a:off x="3492500" y="0"/>
+            <a:ext cx="5206365" cy="6858000"/>
+          </a:xfrm>
+          <a:prstGeom prst="rect">
+            <a:avLst/>
+          </a:prstGeom>
+        </p:spPr>
+      </p:pic>
+      <p:sp>
+        <p:nvSpPr>
+          <p:cNvPr id="5" name="文本框 4"/>
+          <p:cNvSpPr txBox="1"/>
+          <p:nvPr/>
+        </p:nvSpPr>
+        <p:spPr>
+          <a:xfrm>
+            <a:off x="466090" y="1001395"/>
+            <a:ext cx="2657475" cy="368300"/>
+          </a:xfrm>
+          <a:prstGeom prst="rect">
+            <a:avLst/>
+          </a:prstGeom>
+          <a:noFill/>
+        </p:spPr>
+        <p:txBody>
+          <a:bodyPr wrap="square" rtlCol="0">
+            <a:spAutoFit/>
+          </a:bodyPr>
+          <a:p>
+            <a:r>
+              <a:rPr lang="zh-CN" altLang="en-US"/>
+              <a:t>用算法描述选取的</a:t>
+            </a:r>
+            <a:r>
+              <a:rPr lang="zh-CN" altLang="en-US"/>
+              <a:t>过程</a:t>
+            </a:r>
+            <a:endParaRPr lang="zh-CN" altLang="en-US"/>
+          </a:p>
+        </p:txBody>
+      </p:sp>
+    </p:spTree>
+    <p:custDataLst>
+      <p:tags r:id="rId2"/>
+    </p:custDataLst>
+  </p:cSld>
+  <p:clrMapOvr>
+    <a:masterClrMapping/>
+  </p:clrMapOvr>
+</p:sld>
+</file>
+
+<file path=ppt/slides/slide4.xml><?xml version="1.0" encoding="utf-8"?>
+<p:sld xmlns:a="http://schemas.openxmlformats.org/drawingml/2006/main" xmlns:r="http://schemas.openxmlformats.org/officeDocument/2006/relationships" xmlns:p="http://schemas.openxmlformats.org/presentationml/2006/main">
+  <p:cSld>
+    <p:spTree>
+      <p:nvGrpSpPr>
+        <p:cNvPr id="1" name=""/>
+        <p:cNvGrpSpPr/>
+        <p:nvPr/>
+      </p:nvGrpSpPr>
+      <p:grpSpPr/>
+      <p:pic>
+        <p:nvPicPr>
+          <p:cNvPr id="4" name="图片 3"/>
+          <p:cNvPicPr>
+            <a:picLocks noChangeAspect="1"/>
+          </p:cNvPicPr>
+          <p:nvPr/>
+        </p:nvPicPr>
+        <p:blipFill>
+          <a:blip r:embed="rId1"/>
+          <a:stretch>
+            <a:fillRect/>
+          </a:stretch>
+        </p:blipFill>
+        <p:spPr>
+          <a:xfrm>
+            <a:off x="396240" y="2245995"/>
+            <a:ext cx="5465445" cy="2149475"/>
+          </a:xfrm>
+          <a:prstGeom prst="rect">
+            <a:avLst/>
+          </a:prstGeom>
+        </p:spPr>
+      </p:pic>
+    </p:spTree>
+    <p:custDataLst>
+      <p:tags r:id="rId2"/>
+    </p:custDataLst>
+  </p:cSld>
+  <p:clrMapOvr>
+    <a:masterClrMapping/>
+  </p:clrMapOvr>
+</p:sld>
+</file>
+
 <file path=ppt/tags/tag1.xml><?xml version="1.0" encoding="utf-8"?>
 <p:tagLst xmlns:p="http://schemas.openxmlformats.org/presentationml/2006/main">
   <p:tag name="KSO_WM_UNIT_HIGHLIGHT" val="0"/>
@@ -3947,6 +4072,22 @@
   <p:tag name="KSO_WM_SLIDE_LAYOUT_CNT" val="1_1"/>
   <p:tag name="KSO_WM_UNIT_SHOW_EDIT_AREA_INDICATION" val="1"/>
   <p:tag name="KSO_WM_TEMPLATE_THUMBS_INDEX" val="1、4、7、12、13、14、15、16、17、18、20、24、25、28、33、36、40、43、44"/>
+</p:tagLst>
+</file>
+
+<file path=ppt/tags/tag64.xml><?xml version="1.0" encoding="utf-8"?>
+<p:tagLst xmlns:p="http://schemas.openxmlformats.org/presentationml/2006/main">
+  <p:tag name="KSO_WM_BEAUTIFY_FLAG" val="#wm#"/>
+  <p:tag name="KSO_WM_TEMPLATE_CATEGORY" val="custom"/>
+  <p:tag name="KSO_WM_TEMPLATE_INDEX" val="20205081"/>
+</p:tagLst>
+</file>
+
+<file path=ppt/tags/tag65.xml><?xml version="1.0" encoding="utf-8"?>
+<p:tagLst xmlns:p="http://schemas.openxmlformats.org/presentationml/2006/main">
+  <p:tag name="KSO_WM_BEAUTIFY_FLAG" val="#wm#"/>
+  <p:tag name="KSO_WM_TEMPLATE_CATEGORY" val="custom"/>
+  <p:tag name="KSO_WM_TEMPLATE_INDEX" val="20205081"/>
 </p:tagLst>
 </file>
 
